--- a/abcd.pptx
+++ b/abcd.pptx
@@ -4129,76 +4129,6 @@
           </p:sp>
         </mc:Fallback>
       </mc:AlternateContent>
-      <p:sp>
-        <p:nvSpPr>
-          <p:cNvPr id="2" name="文本框 1"/>
-          <p:cNvSpPr txBox="1"/>
-          <p:nvPr/>
-        </p:nvSpPr>
-        <p:spPr>
-          <a:xfrm>
-            <a:off x="2483318" y="2685448"/>
-            <a:ext cx="1550202" cy="461665"/>
-          </a:xfrm>
-          <a:prstGeom prst="rect">
-            <a:avLst/>
-          </a:prstGeom>
-          <a:noFill/>
-        </p:spPr>
-        <p:txBody>
-          <a:bodyPr wrap="square" rtlCol="0">
-            <a:spAutoFit/>
-          </a:bodyPr>
-          <a:lstStyle/>
-          <a:p>
-            <a:r>
-              <a:rPr lang="en-US" altLang="zh-CN" sz="2400" dirty="0" smtClean="0"/>
-              <a:t>test</a:t>
-            </a:r>
-            <a:endParaRPr lang="zh-CN" altLang="en-US" sz="2400" dirty="0" err="1" smtClean="0"/>
-          </a:p>
-        </p:txBody>
-      </p:sp>
-      <p:sp>
-        <p:nvSpPr>
-          <p:cNvPr id="3" name="椭圆 2"/>
-          <p:cNvSpPr/>
-          <p:nvPr/>
-        </p:nvSpPr>
-        <p:spPr>
-          <a:xfrm>
-            <a:off x="3135514" y="2482913"/>
-            <a:ext cx="1010653" cy="866274"/>
-          </a:xfrm>
-          <a:prstGeom prst="ellipse">
-            <a:avLst/>
-          </a:prstGeom>
-        </p:spPr>
-        <p:style>
-          <a:lnRef idx="2">
-            <a:schemeClr val="accent1">
-              <a:shade val="50000"/>
-            </a:schemeClr>
-          </a:lnRef>
-          <a:fillRef idx="1">
-            <a:schemeClr val="accent1"/>
-          </a:fillRef>
-          <a:effectRef idx="0">
-            <a:schemeClr val="accent1"/>
-          </a:effectRef>
-          <a:fontRef idx="minor">
-            <a:schemeClr val="lt1"/>
-          </a:fontRef>
-        </p:style>
-        <p:txBody>
-          <a:bodyPr rtlCol="0" anchor="ctr"/>
-          <a:lstStyle/>
-          <a:p>
-            <a:pPr algn="ctr"/>
-            <a:endParaRPr lang="zh-CN" altLang="en-US"/>
-          </a:p>
-        </p:txBody>
-      </p:sp>
     </p:spTree>
     <p:extLst>
       <p:ext uri="{BB962C8B-B14F-4D97-AF65-F5344CB8AC3E}">
